--- a/Pick & play.pptx
+++ b/Pick & play.pptx
@@ -307,7 +307,7 @@
             <a:fld id="{B61BEF0D-F0BB-DE4B-95CE-6DB70DBA9567}" type="datetimeFigureOut">
               <a:rPr lang="en-US" dirty="0"/>
               <a:pPr/>
-              <a:t>5/29/2020</a:t>
+              <a:t>10/12/2023</a:t>
             </a:fld>
             <a:endParaRPr lang="en-US" dirty="0"/>
           </a:p>
@@ -740,7 +740,7 @@
             <a:fld id="{B61BEF0D-F0BB-DE4B-95CE-6DB70DBA9567}" type="datetimeFigureOut">
               <a:rPr lang="en-US" dirty="0"/>
               <a:pPr/>
-              <a:t>5/29/2020</a:t>
+              <a:t>10/12/2023</a:t>
             </a:fld>
             <a:endParaRPr lang="en-US" dirty="0"/>
           </a:p>
@@ -985,7 +985,7 @@
             <a:fld id="{B61BEF0D-F0BB-DE4B-95CE-6DB70DBA9567}" type="datetimeFigureOut">
               <a:rPr lang="en-US" dirty="0"/>
               <a:pPr/>
-              <a:t>5/29/2020</a:t>
+              <a:t>10/12/2023</a:t>
             </a:fld>
             <a:endParaRPr lang="en-US" dirty="0"/>
           </a:p>
@@ -1288,7 +1288,7 @@
             <a:fld id="{B61BEF0D-F0BB-DE4B-95CE-6DB70DBA9567}" type="datetimeFigureOut">
               <a:rPr lang="en-US" dirty="0"/>
               <a:pPr/>
-              <a:t>5/29/2020</a:t>
+              <a:t>10/12/2023</a:t>
             </a:fld>
             <a:endParaRPr lang="en-US" dirty="0"/>
           </a:p>
@@ -1601,7 +1601,7 @@
             <a:fld id="{B61BEF0D-F0BB-DE4B-95CE-6DB70DBA9567}" type="datetimeFigureOut">
               <a:rPr lang="en-US" dirty="0"/>
               <a:pPr/>
-              <a:t>5/29/2020</a:t>
+              <a:t>10/12/2023</a:t>
             </a:fld>
             <a:endParaRPr lang="en-US" dirty="0"/>
           </a:p>
@@ -1898,7 +1898,7 @@
             <a:fld id="{B61BEF0D-F0BB-DE4B-95CE-6DB70DBA9567}" type="datetimeFigureOut">
               <a:rPr lang="en-US" dirty="0"/>
               <a:pPr/>
-              <a:t>5/29/2020</a:t>
+              <a:t>10/12/2023</a:t>
             </a:fld>
             <a:endParaRPr lang="en-US" dirty="0"/>
           </a:p>
@@ -2260,7 +2260,7 @@
             <a:fld id="{B61BEF0D-F0BB-DE4B-95CE-6DB70DBA9567}" type="datetimeFigureOut">
               <a:rPr lang="en-US" dirty="0"/>
               <a:pPr/>
-              <a:t>5/29/2020</a:t>
+              <a:t>10/12/2023</a:t>
             </a:fld>
             <a:endParaRPr lang="en-US" dirty="0"/>
           </a:p>
@@ -2431,7 +2431,7 @@
             <a:fld id="{B61BEF0D-F0BB-DE4B-95CE-6DB70DBA9567}" type="datetimeFigureOut">
               <a:rPr lang="en-US" dirty="0"/>
               <a:pPr/>
-              <a:t>5/29/2020</a:t>
+              <a:t>10/12/2023</a:t>
             </a:fld>
             <a:endParaRPr lang="en-US" dirty="0"/>
           </a:p>
@@ -2608,7 +2608,7 @@
             <a:fld id="{B61BEF0D-F0BB-DE4B-95CE-6DB70DBA9567}" type="datetimeFigureOut">
               <a:rPr lang="en-US" dirty="0"/>
               <a:pPr/>
-              <a:t>5/29/2020</a:t>
+              <a:t>10/12/2023</a:t>
             </a:fld>
             <a:endParaRPr lang="en-US" dirty="0"/>
           </a:p>
@@ -2775,7 +2775,7 @@
             <a:fld id="{B61BEF0D-F0BB-DE4B-95CE-6DB70DBA9567}" type="datetimeFigureOut">
               <a:rPr lang="en-US" dirty="0"/>
               <a:pPr/>
-              <a:t>5/29/2020</a:t>
+              <a:t>10/12/2023</a:t>
             </a:fld>
             <a:endParaRPr lang="en-US" dirty="0"/>
           </a:p>
@@ -3020,7 +3020,7 @@
             <a:fld id="{B61BEF0D-F0BB-DE4B-95CE-6DB70DBA9567}" type="datetimeFigureOut">
               <a:rPr lang="en-US" dirty="0"/>
               <a:pPr/>
-              <a:t>5/29/2020</a:t>
+              <a:t>10/12/2023</a:t>
             </a:fld>
             <a:endParaRPr lang="en-US" dirty="0"/>
           </a:p>
@@ -3253,7 +3253,7 @@
             <a:fld id="{B61BEF0D-F0BB-DE4B-95CE-6DB70DBA9567}" type="datetimeFigureOut">
               <a:rPr lang="en-US" dirty="0"/>
               <a:pPr/>
-              <a:t>5/29/2020</a:t>
+              <a:t>10/12/2023</a:t>
             </a:fld>
             <a:endParaRPr lang="en-US" dirty="0"/>
           </a:p>
@@ -3632,7 +3632,7 @@
             <a:fld id="{B61BEF0D-F0BB-DE4B-95CE-6DB70DBA9567}" type="datetimeFigureOut">
               <a:rPr lang="en-US" dirty="0"/>
               <a:pPr/>
-              <a:t>5/29/2020</a:t>
+              <a:t>10/12/2023</a:t>
             </a:fld>
             <a:endParaRPr lang="en-US" dirty="0"/>
           </a:p>
@@ -3747,7 +3747,7 @@
             <a:fld id="{B61BEF0D-F0BB-DE4B-95CE-6DB70DBA9567}" type="datetimeFigureOut">
               <a:rPr lang="en-US" dirty="0"/>
               <a:pPr/>
-              <a:t>5/29/2020</a:t>
+              <a:t>10/12/2023</a:t>
             </a:fld>
             <a:endParaRPr lang="en-US" dirty="0"/>
           </a:p>
@@ -3839,7 +3839,7 @@
             <a:fld id="{B61BEF0D-F0BB-DE4B-95CE-6DB70DBA9567}" type="datetimeFigureOut">
               <a:rPr lang="en-US" dirty="0"/>
               <a:pPr/>
-              <a:t>5/29/2020</a:t>
+              <a:t>10/12/2023</a:t>
             </a:fld>
             <a:endParaRPr lang="en-US" dirty="0"/>
           </a:p>
@@ -4091,7 +4091,7 @@
             <a:fld id="{B61BEF0D-F0BB-DE4B-95CE-6DB70DBA9567}" type="datetimeFigureOut">
               <a:rPr lang="en-US" dirty="0"/>
               <a:pPr/>
-              <a:t>5/29/2020</a:t>
+              <a:t>10/12/2023</a:t>
             </a:fld>
             <a:endParaRPr lang="en-US" dirty="0"/>
           </a:p>
@@ -4371,7 +4371,7 @@
             <a:fld id="{B61BEF0D-F0BB-DE4B-95CE-6DB70DBA9567}" type="datetimeFigureOut">
               <a:rPr lang="en-US" dirty="0"/>
               <a:pPr/>
-              <a:t>5/29/2020</a:t>
+              <a:t>10/12/2023</a:t>
             </a:fld>
             <a:endParaRPr lang="en-US" dirty="0"/>
           </a:p>
@@ -4774,7 +4774,7 @@
             <a:fld id="{B61BEF0D-F0BB-DE4B-95CE-6DB70DBA9567}" type="datetimeFigureOut">
               <a:rPr lang="en-US" dirty="0"/>
               <a:pPr/>
-              <a:t>5/29/2020</a:t>
+              <a:t>10/12/2023</a:t>
             </a:fld>
             <a:endParaRPr lang="en-US" dirty="0"/>
           </a:p>
@@ -5287,6 +5287,48 @@
           <a:chExt cx="0" cy="0"/>
         </a:xfrm>
       </p:grpSpPr>
+      <p:pic>
+        <p:nvPicPr>
+          <p:cNvPr id="5" name="Image 4">
+            <a:extLst>
+              <a:ext uri="{FF2B5EF4-FFF2-40B4-BE49-F238E27FC236}">
+                <a16:creationId xmlns:a16="http://schemas.microsoft.com/office/drawing/2014/main" id="{94DC2BFF-6C6E-410C-AADC-E6298184A099}"/>
+              </a:ext>
+            </a:extLst>
+          </p:cNvPr>
+          <p:cNvPicPr>
+            <a:picLocks noChangeAspect="1"/>
+          </p:cNvPicPr>
+          <p:nvPr/>
+        </p:nvPicPr>
+        <p:blipFill>
+          <a:blip r:embed="rId2">
+            <a:extLst>
+              <a:ext uri="{837473B0-CC2E-450A-ABE3-18F120FF3D39}">
+                <a1611:picAttrSrcUrl xmlns:a1611="http://schemas.microsoft.com/office/drawing/2016/11/main" r:id="rId3"/>
+              </a:ext>
+            </a:extLst>
+          </a:blip>
+          <a:stretch>
+            <a:fillRect/>
+          </a:stretch>
+        </p:blipFill>
+        <p:spPr>
+          <a:xfrm>
+            <a:off x="1888033" y="-109057"/>
+            <a:ext cx="7261073" cy="4843375"/>
+          </a:xfrm>
+          <a:prstGeom prst="ellipse">
+            <a:avLst/>
+          </a:prstGeom>
+          <a:ln>
+            <a:noFill/>
+          </a:ln>
+          <a:effectLst>
+            <a:softEdge rad="112500"/>
+          </a:effectLst>
+        </p:spPr>
+      </p:pic>
       <p:sp>
         <p:nvSpPr>
           <p:cNvPr id="2" name="Titre 1">
@@ -5801,7 +5843,7 @@
           <a:graphicData uri="http://schemas.openxmlformats.org/presentationml/2006/ole">
             <mc:AlternateContent xmlns:mc="http://schemas.openxmlformats.org/markup-compatibility/2006">
               <mc:Choice xmlns:v="urn:schemas-microsoft-com:vml" Requires="v">
-                <p:oleObj spid="_x0000_s1027" name="Acrobat Document" showAsIcon="1" r:id="rId3" imgW="914400" imgH="792360" progId="AcroExch.Document.DC">
+                <p:oleObj spid="_x0000_s1028" name="Acrobat Document" showAsIcon="1" r:id="rId3" imgW="914400" imgH="792360" progId="AcroExch.Document.DC">
                   <p:embed/>
                 </p:oleObj>
               </mc:Choice>
